--- a/Memcached-Steve_Hong.pptx
+++ b/Memcached-Steve_Hong.pptx
@@ -5,7 +5,7 @@
     <p:sldMasterId id="2147483648" r:id="rId1"/>
   </p:sldMasterIdLst>
   <p:notesMasterIdLst>
-    <p:notesMasterId r:id="rId23"/>
+    <p:notesMasterId r:id="rId25"/>
   </p:notesMasterIdLst>
   <p:sldIdLst>
     <p:sldId id="256" r:id="rId2"/>
@@ -17,18 +17,20 @@
     <p:sldId id="259" r:id="rId8"/>
     <p:sldId id="292" r:id="rId9"/>
     <p:sldId id="293" r:id="rId10"/>
-    <p:sldId id="260" r:id="rId11"/>
-    <p:sldId id="261" r:id="rId12"/>
-    <p:sldId id="277" r:id="rId13"/>
-    <p:sldId id="278" r:id="rId14"/>
-    <p:sldId id="279" r:id="rId15"/>
-    <p:sldId id="280" r:id="rId16"/>
-    <p:sldId id="276" r:id="rId17"/>
-    <p:sldId id="283" r:id="rId18"/>
-    <p:sldId id="284" r:id="rId19"/>
-    <p:sldId id="285" r:id="rId20"/>
-    <p:sldId id="294" r:id="rId21"/>
-    <p:sldId id="275" r:id="rId22"/>
+    <p:sldId id="295" r:id="rId11"/>
+    <p:sldId id="260" r:id="rId12"/>
+    <p:sldId id="296" r:id="rId13"/>
+    <p:sldId id="261" r:id="rId14"/>
+    <p:sldId id="277" r:id="rId15"/>
+    <p:sldId id="278" r:id="rId16"/>
+    <p:sldId id="279" r:id="rId17"/>
+    <p:sldId id="280" r:id="rId18"/>
+    <p:sldId id="276" r:id="rId19"/>
+    <p:sldId id="283" r:id="rId20"/>
+    <p:sldId id="284" r:id="rId21"/>
+    <p:sldId id="285" r:id="rId22"/>
+    <p:sldId id="294" r:id="rId23"/>
+    <p:sldId id="275" r:id="rId24"/>
   </p:sldIdLst>
   <p:sldSz cx="9144000" cy="6858000" type="screen4x3"/>
   <p:notesSz cx="6858000" cy="9144000"/>
@@ -670,16 +672,13 @@
             </a:r>
             <a:r>
               <a:rPr lang="zh-TW" altLang="en-US" dirty="0" smtClean="0"/>
-              <a:t>秒後會繼續執行</a:t>
+              <a:t>秒後會繼續</a:t>
+            </a:r>
+            <a:r>
+              <a:rPr lang="zh-TW" altLang="en-US" dirty="0" smtClean="0"/>
+              <a:t>執行</a:t>
             </a:r>
             <a:endParaRPr lang="en-US" altLang="zh-TW" dirty="0" smtClean="0"/>
-          </a:p>
-          <a:p>
-            <a:r>
-              <a:rPr lang="zh-TW" altLang="en-US" dirty="0" smtClean="0"/>
-              <a:t>在開發過程中看到實際的錯誤提示</a:t>
-            </a:r>
-            <a:endParaRPr lang="zh-TW" altLang="en-US" dirty="0"/>
           </a:p>
         </p:txBody>
       </p:sp>
@@ -700,7 +699,7 @@
           <a:p>
             <a:fld id="{3DEAE79A-1F99-4A5D-9BDA-8C295E4E4EE5}" type="slidenum">
               <a:rPr lang="zh-TW" altLang="en-US" smtClean="0"/>
-              <a:t>18</a:t>
+              <a:t>20</a:t>
             </a:fld>
             <a:endParaRPr lang="zh-TW" altLang="en-US"/>
           </a:p>
@@ -784,7 +783,7 @@
           <a:p>
             <a:fld id="{3DEAE79A-1F99-4A5D-9BDA-8C295E4E4EE5}" type="slidenum">
               <a:rPr lang="zh-TW" altLang="en-US" smtClean="0"/>
-              <a:t>19</a:t>
+              <a:t>21</a:t>
             </a:fld>
             <a:endParaRPr lang="zh-TW" altLang="en-US"/>
           </a:p>
@@ -896,7 +895,7 @@
           <a:p>
             <a:fld id="{3DEAE79A-1F99-4A5D-9BDA-8C295E4E4EE5}" type="slidenum">
               <a:rPr lang="zh-TW" altLang="en-US" smtClean="0"/>
-              <a:t>20</a:t>
+              <a:t>22</a:t>
             </a:fld>
             <a:endParaRPr lang="zh-TW" altLang="en-US"/>
           </a:p>
@@ -1813,7 +1812,7 @@
           <a:p>
             <a:fld id="{3DEAE79A-1F99-4A5D-9BDA-8C295E4E4EE5}" type="slidenum">
               <a:rPr lang="zh-TW" altLang="en-US" smtClean="0"/>
-              <a:t>10</a:t>
+              <a:t>11</a:t>
             </a:fld>
             <a:endParaRPr lang="zh-TW" altLang="en-US"/>
           </a:p>
@@ -1897,7 +1896,7 @@
           <a:p>
             <a:fld id="{3DEAE79A-1F99-4A5D-9BDA-8C295E4E4EE5}" type="slidenum">
               <a:rPr lang="zh-TW" altLang="en-US" smtClean="0"/>
-              <a:t>11</a:t>
+              <a:t>13</a:t>
             </a:fld>
             <a:endParaRPr lang="zh-TW" altLang="en-US"/>
           </a:p>
@@ -2069,7 +2068,7 @@
           <a:p>
             <a:fld id="{3DEAE79A-1F99-4A5D-9BDA-8C295E4E4EE5}" type="slidenum">
               <a:rPr lang="zh-TW" altLang="en-US" smtClean="0"/>
-              <a:t>12</a:t>
+              <a:t>14</a:t>
             </a:fld>
             <a:endParaRPr lang="zh-TW" altLang="en-US"/>
           </a:p>
@@ -2153,7 +2152,7 @@
           <a:p>
             <a:fld id="{3DEAE79A-1F99-4A5D-9BDA-8C295E4E4EE5}" type="slidenum">
               <a:rPr lang="zh-TW" altLang="en-US" smtClean="0"/>
-              <a:t>16</a:t>
+              <a:t>18</a:t>
             </a:fld>
             <a:endParaRPr lang="zh-TW" altLang="en-US"/>
           </a:p>
@@ -5349,7 +5348,12 @@
             <p:ph type="title"/>
           </p:nvPr>
         </p:nvSpPr>
-        <p:spPr/>
+        <p:spPr>
+          <a:xfrm>
+            <a:off x="395536" y="2492896"/>
+            <a:ext cx="8229600" cy="1143000"/>
+          </a:xfrm>
+        </p:spPr>
         <p:txBody>
           <a:bodyPr>
             <a:normAutofit/>
@@ -5357,15 +5361,172 @@
           <a:lstStyle/>
           <a:p>
             <a:r>
-              <a:rPr lang="zh-TW" altLang="en-US" sz="4000" dirty="0">
+              <a:rPr lang="en-US" altLang="zh-TW" sz="4000" dirty="0" err="1" smtClean="0">
+                <a:solidFill>
+                  <a:schemeClr val="bg1"/>
+                </a:solidFill>
+              </a:rPr>
+              <a:t>Memcached</a:t>
+            </a:r>
+            <a:r>
+              <a:rPr lang="zh-TW" altLang="en-US" sz="4000" dirty="0" smtClean="0">
+                <a:solidFill>
+                  <a:schemeClr val="bg1"/>
+                </a:solidFill>
+              </a:rPr>
+              <a:t> </a:t>
+            </a:r>
+            <a:r>
+              <a:rPr lang="zh-TW" altLang="en-US" sz="4000" dirty="0" smtClean="0">
                 <a:solidFill>
                   <a:schemeClr val="bg1"/>
                 </a:solidFill>
                 <a:latin typeface="標楷體" pitchFamily="65" charset="-120"/>
                 <a:ea typeface="標楷體" pitchFamily="65" charset="-120"/>
               </a:rPr>
-              <a:t>安裝</a:t>
-            </a:r>
+              <a:t>的安裝</a:t>
+            </a:r>
+            <a:endParaRPr lang="zh-TW" altLang="en-US" sz="4000" dirty="0">
+              <a:solidFill>
+                <a:schemeClr val="bg1"/>
+              </a:solidFill>
+              <a:latin typeface="標楷體" pitchFamily="65" charset="-120"/>
+              <a:ea typeface="標楷體" pitchFamily="65" charset="-120"/>
+            </a:endParaRPr>
+          </a:p>
+        </p:txBody>
+      </p:sp>
+      <p:pic>
+        <p:nvPicPr>
+          <p:cNvPr id="5" name="圖片 4"/>
+          <p:cNvPicPr>
+            <a:picLocks noChangeAspect="1"/>
+          </p:cNvPicPr>
+          <p:nvPr/>
+        </p:nvPicPr>
+        <p:blipFill>
+          <a:blip r:embed="rId2">
+            <a:extLst>
+              <a:ext uri="{BEBA8EAE-BF5A-486C-A8C5-ECC9F3942E4B}">
+                <a14:imgProps xmlns:a14="http://schemas.microsoft.com/office/drawing/2010/main">
+                  <a14:imgLayer r:embed="rId3">
+                    <a14:imgEffect>
+                      <a14:backgroundRemoval t="10000" b="90000" l="10000" r="90000"/>
+                    </a14:imgEffect>
+                  </a14:imgLayer>
+                </a14:imgProps>
+              </a:ext>
+              <a:ext uri="{28A0092B-C50C-407E-A947-70E740481C1C}">
+                <a14:useLocalDpi xmlns:a14="http://schemas.microsoft.com/office/drawing/2010/main" val="0"/>
+              </a:ext>
+            </a:extLst>
+          </a:blip>
+          <a:stretch>
+            <a:fillRect/>
+          </a:stretch>
+        </p:blipFill>
+        <p:spPr>
+          <a:xfrm>
+            <a:off x="5292080" y="4060004"/>
+            <a:ext cx="3697876" cy="2349239"/>
+          </a:xfrm>
+          <a:prstGeom prst="ellipse">
+            <a:avLst/>
+          </a:prstGeom>
+          <a:blipFill dpi="0" rotWithShape="1">
+            <a:blip r:embed="rId4">
+              <a:alphaModFix amt="51000"/>
+            </a:blip>
+            <a:srcRect/>
+            <a:stretch>
+              <a:fillRect/>
+            </a:stretch>
+          </a:blipFill>
+          <a:ln>
+            <a:noFill/>
+          </a:ln>
+          <a:effectLst>
+            <a:outerShdw blurRad="127000" dist="38100" dir="2700000" algn="ctr">
+              <a:srgbClr val="000000">
+                <a:alpha val="45000"/>
+              </a:srgbClr>
+            </a:outerShdw>
+            <a:softEdge rad="112500"/>
+          </a:effectLst>
+          <a:scene3d>
+            <a:camera prst="perspectiveFront" fov="2700000">
+              <a:rot lat="20376000" lon="1938000" rev="20112001"/>
+            </a:camera>
+            <a:lightRig rig="soft" dir="t">
+              <a:rot lat="0" lon="0" rev="0"/>
+            </a:lightRig>
+          </a:scene3d>
+          <a:sp3d prstMaterial="translucentPowder">
+            <a:bevelT w="203200" h="50800" prst="softRound"/>
+          </a:sp3d>
+        </p:spPr>
+      </p:pic>
+    </p:spTree>
+    <p:extLst>
+      <p:ext uri="{BB962C8B-B14F-4D97-AF65-F5344CB8AC3E}">
+        <p14:creationId xmlns:p14="http://schemas.microsoft.com/office/powerpoint/2010/main" val="3308944972"/>
+      </p:ext>
+    </p:extLst>
+  </p:cSld>
+  <p:clrMapOvr>
+    <a:masterClrMapping/>
+  </p:clrMapOvr>
+  <p:timing>
+    <p:tnLst>
+      <p:par>
+        <p:cTn id="1" dur="indefinite" restart="never" nodeType="tmRoot"/>
+      </p:par>
+    </p:tnLst>
+  </p:timing>
+</p:sld>
+</file>
+
+<file path=ppt/slides/slide11.xml><?xml version="1.0" encoding="utf-8"?>
+<p:sld xmlns:a="http://schemas.openxmlformats.org/drawingml/2006/main" xmlns:r="http://schemas.openxmlformats.org/officeDocument/2006/relationships" xmlns:p="http://schemas.openxmlformats.org/presentationml/2006/main">
+  <p:cSld>
+    <p:spTree>
+      <p:nvGrpSpPr>
+        <p:cNvPr id="1" name=""/>
+        <p:cNvGrpSpPr/>
+        <p:nvPr/>
+      </p:nvGrpSpPr>
+      <p:grpSpPr>
+        <a:xfrm>
+          <a:off x="0" y="0"/>
+          <a:ext cx="0" cy="0"/>
+          <a:chOff x="0" y="0"/>
+          <a:chExt cx="0" cy="0"/>
+        </a:xfrm>
+      </p:grpSpPr>
+      <p:sp>
+        <p:nvSpPr>
+          <p:cNvPr id="2" name="標題 1"/>
+          <p:cNvSpPr>
+            <a:spLocks noGrp="1"/>
+          </p:cNvSpPr>
+          <p:nvPr>
+            <p:ph type="title"/>
+          </p:nvPr>
+        </p:nvSpPr>
+        <p:spPr/>
+        <p:txBody>
+          <a:bodyPr>
+            <a:normAutofit/>
+          </a:bodyPr>
+          <a:lstStyle/>
+          <a:p>
+            <a:endParaRPr lang="zh-TW" altLang="en-US" sz="4000" dirty="0">
+              <a:solidFill>
+                <a:schemeClr val="bg1"/>
+              </a:solidFill>
+              <a:latin typeface="標楷體" pitchFamily="65" charset="-120"/>
+              <a:ea typeface="標楷體" pitchFamily="65" charset="-120"/>
+            </a:endParaRPr>
           </a:p>
         </p:txBody>
       </p:sp>
@@ -5650,7 +5811,172 @@
 </p:sld>
 </file>
 
-<file path=ppt/slides/slide11.xml><?xml version="1.0" encoding="utf-8"?>
+<file path=ppt/slides/slide12.xml><?xml version="1.0" encoding="utf-8"?>
+<p:sld xmlns:a="http://schemas.openxmlformats.org/drawingml/2006/main" xmlns:r="http://schemas.openxmlformats.org/officeDocument/2006/relationships" xmlns:p="http://schemas.openxmlformats.org/presentationml/2006/main">
+  <p:cSld>
+    <p:spTree>
+      <p:nvGrpSpPr>
+        <p:cNvPr id="1" name=""/>
+        <p:cNvGrpSpPr/>
+        <p:nvPr/>
+      </p:nvGrpSpPr>
+      <p:grpSpPr>
+        <a:xfrm>
+          <a:off x="0" y="0"/>
+          <a:ext cx="0" cy="0"/>
+          <a:chOff x="0" y="0"/>
+          <a:chExt cx="0" cy="0"/>
+        </a:xfrm>
+      </p:grpSpPr>
+      <p:sp>
+        <p:nvSpPr>
+          <p:cNvPr id="2" name="標題 1"/>
+          <p:cNvSpPr>
+            <a:spLocks noGrp="1"/>
+          </p:cNvSpPr>
+          <p:nvPr>
+            <p:ph type="title"/>
+          </p:nvPr>
+        </p:nvSpPr>
+        <p:spPr>
+          <a:xfrm>
+            <a:off x="395536" y="2492896"/>
+            <a:ext cx="8229600" cy="1143000"/>
+          </a:xfrm>
+        </p:spPr>
+        <p:txBody>
+          <a:bodyPr>
+            <a:normAutofit/>
+          </a:bodyPr>
+          <a:lstStyle/>
+          <a:p>
+            <a:r>
+              <a:rPr lang="en-US" altLang="zh-TW" sz="4000" dirty="0" err="1" smtClean="0">
+                <a:solidFill>
+                  <a:schemeClr val="bg1"/>
+                </a:solidFill>
+              </a:rPr>
+              <a:t>Memcached</a:t>
+            </a:r>
+            <a:r>
+              <a:rPr lang="zh-TW" altLang="en-US" sz="4000" dirty="0" smtClean="0">
+                <a:solidFill>
+                  <a:schemeClr val="bg1"/>
+                </a:solidFill>
+              </a:rPr>
+              <a:t> </a:t>
+            </a:r>
+            <a:r>
+              <a:rPr lang="zh-TW" altLang="en-US" sz="4000" dirty="0" smtClean="0">
+                <a:solidFill>
+                  <a:schemeClr val="bg1"/>
+                </a:solidFill>
+                <a:latin typeface="標楷體" pitchFamily="65" charset="-120"/>
+                <a:ea typeface="標楷體" pitchFamily="65" charset="-120"/>
+              </a:rPr>
+              <a:t>的測試</a:t>
+            </a:r>
+            <a:endParaRPr lang="zh-TW" altLang="en-US" sz="4000" dirty="0">
+              <a:solidFill>
+                <a:schemeClr val="bg1"/>
+              </a:solidFill>
+              <a:latin typeface="標楷體" pitchFamily="65" charset="-120"/>
+              <a:ea typeface="標楷體" pitchFamily="65" charset="-120"/>
+            </a:endParaRPr>
+          </a:p>
+        </p:txBody>
+      </p:sp>
+      <p:pic>
+        <p:nvPicPr>
+          <p:cNvPr id="5" name="圖片 4"/>
+          <p:cNvPicPr>
+            <a:picLocks noChangeAspect="1"/>
+          </p:cNvPicPr>
+          <p:nvPr/>
+        </p:nvPicPr>
+        <p:blipFill>
+          <a:blip r:embed="rId2">
+            <a:extLst>
+              <a:ext uri="{BEBA8EAE-BF5A-486C-A8C5-ECC9F3942E4B}">
+                <a14:imgProps xmlns:a14="http://schemas.microsoft.com/office/drawing/2010/main">
+                  <a14:imgLayer r:embed="rId3">
+                    <a14:imgEffect>
+                      <a14:backgroundRemoval t="10000" b="90000" l="10000" r="90000"/>
+                    </a14:imgEffect>
+                  </a14:imgLayer>
+                </a14:imgProps>
+              </a:ext>
+              <a:ext uri="{28A0092B-C50C-407E-A947-70E740481C1C}">
+                <a14:useLocalDpi xmlns:a14="http://schemas.microsoft.com/office/drawing/2010/main" val="0"/>
+              </a:ext>
+            </a:extLst>
+          </a:blip>
+          <a:stretch>
+            <a:fillRect/>
+          </a:stretch>
+        </p:blipFill>
+        <p:spPr>
+          <a:xfrm>
+            <a:off x="5292080" y="4060004"/>
+            <a:ext cx="3697876" cy="2349239"/>
+          </a:xfrm>
+          <a:prstGeom prst="ellipse">
+            <a:avLst/>
+          </a:prstGeom>
+          <a:blipFill dpi="0" rotWithShape="1">
+            <a:blip r:embed="rId4">
+              <a:alphaModFix amt="51000"/>
+            </a:blip>
+            <a:srcRect/>
+            <a:stretch>
+              <a:fillRect/>
+            </a:stretch>
+          </a:blipFill>
+          <a:ln>
+            <a:noFill/>
+          </a:ln>
+          <a:effectLst>
+            <a:outerShdw blurRad="127000" dist="38100" dir="2700000" algn="ctr">
+              <a:srgbClr val="000000">
+                <a:alpha val="45000"/>
+              </a:srgbClr>
+            </a:outerShdw>
+            <a:softEdge rad="112500"/>
+          </a:effectLst>
+          <a:scene3d>
+            <a:camera prst="perspectiveFront" fov="2700000">
+              <a:rot lat="20376000" lon="1938000" rev="20112001"/>
+            </a:camera>
+            <a:lightRig rig="soft" dir="t">
+              <a:rot lat="0" lon="0" rev="0"/>
+            </a:lightRig>
+          </a:scene3d>
+          <a:sp3d prstMaterial="translucentPowder">
+            <a:bevelT w="203200" h="50800" prst="softRound"/>
+          </a:sp3d>
+        </p:spPr>
+      </p:pic>
+    </p:spTree>
+    <p:extLst>
+      <p:ext uri="{BB962C8B-B14F-4D97-AF65-F5344CB8AC3E}">
+        <p14:creationId xmlns:p14="http://schemas.microsoft.com/office/powerpoint/2010/main" val="3308944972"/>
+      </p:ext>
+    </p:extLst>
+  </p:cSld>
+  <p:clrMapOvr>
+    <a:masterClrMapping/>
+  </p:clrMapOvr>
+  <p:timing>
+    <p:tnLst>
+      <p:par>
+        <p:cTn id="1" dur="indefinite" restart="never" nodeType="tmRoot"/>
+      </p:par>
+    </p:tnLst>
+  </p:timing>
+</p:sld>
+</file>
+
+<file path=ppt/slides/slide13.xml><?xml version="1.0" encoding="utf-8"?>
 <p:sld xmlns:a="http://schemas.openxmlformats.org/drawingml/2006/main" xmlns:r="http://schemas.openxmlformats.org/officeDocument/2006/relationships" xmlns:p="http://schemas.openxmlformats.org/presentationml/2006/main">
   <p:cSld>
     <p:spTree>
@@ -5819,7 +6145,7 @@
 </p:sld>
 </file>
 
-<file path=ppt/slides/slide12.xml><?xml version="1.0" encoding="utf-8"?>
+<file path=ppt/slides/slide14.xml><?xml version="1.0" encoding="utf-8"?>
 <p:sld xmlns:a="http://schemas.openxmlformats.org/drawingml/2006/main" xmlns:r="http://schemas.openxmlformats.org/officeDocument/2006/relationships" xmlns:p="http://schemas.openxmlformats.org/presentationml/2006/main">
   <p:cSld>
     <p:spTree>
@@ -5973,7 +6299,7 @@
 </p:sld>
 </file>
 
-<file path=ppt/slides/slide13.xml><?xml version="1.0" encoding="utf-8"?>
+<file path=ppt/slides/slide15.xml><?xml version="1.0" encoding="utf-8"?>
 <p:sld xmlns:a="http://schemas.openxmlformats.org/drawingml/2006/main" xmlns:r="http://schemas.openxmlformats.org/officeDocument/2006/relationships" xmlns:p="http://schemas.openxmlformats.org/presentationml/2006/main">
   <p:cSld>
     <p:spTree>
@@ -6199,7 +6525,7 @@
 </p:sld>
 </file>
 
-<file path=ppt/slides/slide14.xml><?xml version="1.0" encoding="utf-8"?>
+<file path=ppt/slides/slide16.xml><?xml version="1.0" encoding="utf-8"?>
 <p:sld xmlns:a="http://schemas.openxmlformats.org/drawingml/2006/main" xmlns:r="http://schemas.openxmlformats.org/officeDocument/2006/relationships" xmlns:p="http://schemas.openxmlformats.org/presentationml/2006/main">
   <p:cSld>
     <p:spTree>
@@ -6393,7 +6719,7 @@
 </p:sld>
 </file>
 
-<file path=ppt/slides/slide15.xml><?xml version="1.0" encoding="utf-8"?>
+<file path=ppt/slides/slide17.xml><?xml version="1.0" encoding="utf-8"?>
 <p:sld xmlns:a="http://schemas.openxmlformats.org/drawingml/2006/main" xmlns:r="http://schemas.openxmlformats.org/officeDocument/2006/relationships" xmlns:p="http://schemas.openxmlformats.org/presentationml/2006/main">
   <p:cSld>
     <p:spTree>
@@ -6671,7 +6997,7 @@
 </p:sld>
 </file>
 
-<file path=ppt/slides/slide16.xml><?xml version="1.0" encoding="utf-8"?>
+<file path=ppt/slides/slide18.xml><?xml version="1.0" encoding="utf-8"?>
 <p:sld xmlns:a="http://schemas.openxmlformats.org/drawingml/2006/main" xmlns:r="http://schemas.openxmlformats.org/officeDocument/2006/relationships" xmlns:p="http://schemas.openxmlformats.org/presentationml/2006/main">
   <p:cSld>
     <p:spTree>
@@ -6723,35 +7049,6 @@
         <p:txBody>
           <a:bodyPr/>
           <a:lstStyle/>
-          <a:p>
-            <a:pPr marL="0" indent="0">
-              <a:buNone/>
-            </a:pPr>
-            <a:r>
-              <a:rPr lang="en-US" altLang="zh-TW" dirty="0" smtClean="0">
-                <a:solidFill>
-                  <a:schemeClr val="bg1"/>
-                </a:solidFill>
-              </a:rPr>
-              <a:t>/home/</a:t>
-            </a:r>
-            <a:r>
-              <a:rPr lang="en-US" altLang="zh-TW" dirty="0" err="1" smtClean="0">
-                <a:solidFill>
-                  <a:schemeClr val="bg1"/>
-                </a:solidFill>
-              </a:rPr>
-              <a:t>ubuntu</a:t>
-            </a:r>
-            <a:r>
-              <a:rPr lang="en-US" altLang="zh-TW" dirty="0" smtClean="0">
-                <a:solidFill>
-                  <a:schemeClr val="bg1"/>
-                </a:solidFill>
-              </a:rPr>
-              <a:t>/workspace/test.php:14: </a:t>
-            </a:r>
-          </a:p>
           <a:p>
             <a:pPr marL="0" indent="0">
               <a:buNone/>
@@ -6975,7 +7272,7 @@
 </p:sld>
 </file>
 
-<file path=ppt/slides/slide17.xml><?xml version="1.0" encoding="utf-8"?>
+<file path=ppt/slides/slide19.xml><?xml version="1.0" encoding="utf-8"?>
 <p:sld xmlns:a="http://schemas.openxmlformats.org/drawingml/2006/main" xmlns:r="http://schemas.openxmlformats.org/officeDocument/2006/relationships" xmlns:p="http://schemas.openxmlformats.org/presentationml/2006/main">
   <p:cSld>
     <p:spTree>
@@ -7121,7 +7418,168 @@
 </p:sld>
 </file>
 
-<file path=ppt/slides/slide18.xml><?xml version="1.0" encoding="utf-8"?>
+<file path=ppt/slides/slide2.xml><?xml version="1.0" encoding="utf-8"?>
+<p:sld xmlns:a="http://schemas.openxmlformats.org/drawingml/2006/main" xmlns:r="http://schemas.openxmlformats.org/officeDocument/2006/relationships" xmlns:p="http://schemas.openxmlformats.org/presentationml/2006/main">
+  <p:cSld>
+    <p:spTree>
+      <p:nvGrpSpPr>
+        <p:cNvPr id="1" name=""/>
+        <p:cNvGrpSpPr/>
+        <p:nvPr/>
+      </p:nvGrpSpPr>
+      <p:grpSpPr>
+        <a:xfrm>
+          <a:off x="0" y="0"/>
+          <a:ext cx="0" cy="0"/>
+          <a:chOff x="0" y="0"/>
+          <a:chExt cx="0" cy="0"/>
+        </a:xfrm>
+      </p:grpSpPr>
+      <p:sp>
+        <p:nvSpPr>
+          <p:cNvPr id="2" name="標題 1"/>
+          <p:cNvSpPr>
+            <a:spLocks noGrp="1"/>
+          </p:cNvSpPr>
+          <p:nvPr>
+            <p:ph type="title"/>
+          </p:nvPr>
+        </p:nvSpPr>
+        <p:spPr>
+          <a:xfrm>
+            <a:off x="395536" y="2564904"/>
+            <a:ext cx="8229600" cy="1143000"/>
+          </a:xfrm>
+        </p:spPr>
+        <p:txBody>
+          <a:bodyPr>
+            <a:normAutofit/>
+          </a:bodyPr>
+          <a:lstStyle/>
+          <a:p>
+            <a:r>
+              <a:rPr lang="en-US" altLang="zh-TW" sz="4000" dirty="0" smtClean="0">
+                <a:solidFill>
+                  <a:schemeClr val="bg1"/>
+                </a:solidFill>
+              </a:rPr>
+              <a:t>Why do we use </a:t>
+            </a:r>
+            <a:r>
+              <a:rPr lang="en-US" altLang="zh-TW" sz="4000" dirty="0" err="1" smtClean="0">
+                <a:solidFill>
+                  <a:schemeClr val="bg1"/>
+                </a:solidFill>
+              </a:rPr>
+              <a:t>Memcached</a:t>
+            </a:r>
+            <a:r>
+              <a:rPr lang="en-US" altLang="zh-TW" sz="4000" dirty="0" smtClean="0">
+                <a:solidFill>
+                  <a:schemeClr val="bg1"/>
+                </a:solidFill>
+              </a:rPr>
+              <a:t>?</a:t>
+            </a:r>
+            <a:endParaRPr lang="zh-TW" altLang="en-US" sz="4000" dirty="0">
+              <a:solidFill>
+                <a:schemeClr val="bg1"/>
+              </a:solidFill>
+            </a:endParaRPr>
+          </a:p>
+        </p:txBody>
+      </p:sp>
+      <p:pic>
+        <p:nvPicPr>
+          <p:cNvPr id="4" name="圖片 3"/>
+          <p:cNvPicPr>
+            <a:picLocks noChangeAspect="1"/>
+          </p:cNvPicPr>
+          <p:nvPr/>
+        </p:nvPicPr>
+        <p:blipFill>
+          <a:blip r:embed="rId2">
+            <a:extLst>
+              <a:ext uri="{BEBA8EAE-BF5A-486C-A8C5-ECC9F3942E4B}">
+                <a14:imgProps xmlns:a14="http://schemas.microsoft.com/office/drawing/2010/main">
+                  <a14:imgLayer r:embed="rId3">
+                    <a14:imgEffect>
+                      <a14:backgroundRemoval t="10000" b="90000" l="10000" r="90000"/>
+                    </a14:imgEffect>
+                  </a14:imgLayer>
+                </a14:imgProps>
+              </a:ext>
+              <a:ext uri="{28A0092B-C50C-407E-A947-70E740481C1C}">
+                <a14:useLocalDpi xmlns:a14="http://schemas.microsoft.com/office/drawing/2010/main" val="0"/>
+              </a:ext>
+            </a:extLst>
+          </a:blip>
+          <a:stretch>
+            <a:fillRect/>
+          </a:stretch>
+        </p:blipFill>
+        <p:spPr>
+          <a:xfrm>
+            <a:off x="5868144" y="4425975"/>
+            <a:ext cx="3121811" cy="1983268"/>
+          </a:xfrm>
+          <a:prstGeom prst="ellipse">
+            <a:avLst/>
+          </a:prstGeom>
+          <a:blipFill dpi="0" rotWithShape="1">
+            <a:blip r:embed="rId4">
+              <a:alphaModFix amt="51000"/>
+            </a:blip>
+            <a:srcRect/>
+            <a:stretch>
+              <a:fillRect/>
+            </a:stretch>
+          </a:blipFill>
+          <a:ln>
+            <a:noFill/>
+          </a:ln>
+          <a:effectLst>
+            <a:outerShdw blurRad="127000" dist="38100" dir="2700000" algn="ctr">
+              <a:srgbClr val="000000">
+                <a:alpha val="45000"/>
+              </a:srgbClr>
+            </a:outerShdw>
+            <a:softEdge rad="112500"/>
+          </a:effectLst>
+          <a:scene3d>
+            <a:camera prst="perspectiveFront" fov="2700000">
+              <a:rot lat="20376000" lon="1938000" rev="20112001"/>
+            </a:camera>
+            <a:lightRig rig="soft" dir="t">
+              <a:rot lat="0" lon="0" rev="0"/>
+            </a:lightRig>
+          </a:scene3d>
+          <a:sp3d prstMaterial="translucentPowder">
+            <a:bevelT w="203200" h="50800" prst="softRound"/>
+          </a:sp3d>
+        </p:spPr>
+      </p:pic>
+    </p:spTree>
+    <p:extLst>
+      <p:ext uri="{BB962C8B-B14F-4D97-AF65-F5344CB8AC3E}">
+        <p14:creationId xmlns:p14="http://schemas.microsoft.com/office/powerpoint/2010/main" val="1199426661"/>
+      </p:ext>
+    </p:extLst>
+  </p:cSld>
+  <p:clrMapOvr>
+    <a:masterClrMapping/>
+  </p:clrMapOvr>
+  <p:timing>
+    <p:tnLst>
+      <p:par>
+        <p:cTn id="1" dur="indefinite" restart="never" nodeType="tmRoot"/>
+      </p:par>
+    </p:tnLst>
+  </p:timing>
+</p:sld>
+</file>
+
+<file path=ppt/slides/slide20.xml><?xml version="1.0" encoding="utf-8"?>
 <p:sld xmlns:a="http://schemas.openxmlformats.org/drawingml/2006/main" xmlns:r="http://schemas.openxmlformats.org/officeDocument/2006/relationships" xmlns:p="http://schemas.openxmlformats.org/presentationml/2006/main">
   <p:cSld>
     <p:spTree>
@@ -7919,7 +8377,7 @@
 </p:sld>
 </file>
 
-<file path=ppt/slides/slide19.xml><?xml version="1.0" encoding="utf-8"?>
+<file path=ppt/slides/slide21.xml><?xml version="1.0" encoding="utf-8"?>
 <p:sld xmlns:a="http://schemas.openxmlformats.org/drawingml/2006/main" xmlns:r="http://schemas.openxmlformats.org/officeDocument/2006/relationships" xmlns:p="http://schemas.openxmlformats.org/presentationml/2006/main">
   <p:cSld>
     <p:spTree>
@@ -8074,168 +8532,7 @@
 </p:sld>
 </file>
 
-<file path=ppt/slides/slide2.xml><?xml version="1.0" encoding="utf-8"?>
-<p:sld xmlns:a="http://schemas.openxmlformats.org/drawingml/2006/main" xmlns:r="http://schemas.openxmlformats.org/officeDocument/2006/relationships" xmlns:p="http://schemas.openxmlformats.org/presentationml/2006/main">
-  <p:cSld>
-    <p:spTree>
-      <p:nvGrpSpPr>
-        <p:cNvPr id="1" name=""/>
-        <p:cNvGrpSpPr/>
-        <p:nvPr/>
-      </p:nvGrpSpPr>
-      <p:grpSpPr>
-        <a:xfrm>
-          <a:off x="0" y="0"/>
-          <a:ext cx="0" cy="0"/>
-          <a:chOff x="0" y="0"/>
-          <a:chExt cx="0" cy="0"/>
-        </a:xfrm>
-      </p:grpSpPr>
-      <p:sp>
-        <p:nvSpPr>
-          <p:cNvPr id="2" name="標題 1"/>
-          <p:cNvSpPr>
-            <a:spLocks noGrp="1"/>
-          </p:cNvSpPr>
-          <p:nvPr>
-            <p:ph type="title"/>
-          </p:nvPr>
-        </p:nvSpPr>
-        <p:spPr>
-          <a:xfrm>
-            <a:off x="395536" y="2564904"/>
-            <a:ext cx="8229600" cy="1143000"/>
-          </a:xfrm>
-        </p:spPr>
-        <p:txBody>
-          <a:bodyPr>
-            <a:normAutofit/>
-          </a:bodyPr>
-          <a:lstStyle/>
-          <a:p>
-            <a:r>
-              <a:rPr lang="en-US" altLang="zh-TW" sz="4000" dirty="0" smtClean="0">
-                <a:solidFill>
-                  <a:schemeClr val="bg1"/>
-                </a:solidFill>
-              </a:rPr>
-              <a:t>Why do we use </a:t>
-            </a:r>
-            <a:r>
-              <a:rPr lang="en-US" altLang="zh-TW" sz="4000" dirty="0" err="1" smtClean="0">
-                <a:solidFill>
-                  <a:schemeClr val="bg1"/>
-                </a:solidFill>
-              </a:rPr>
-              <a:t>Memcached</a:t>
-            </a:r>
-            <a:r>
-              <a:rPr lang="en-US" altLang="zh-TW" sz="4000" dirty="0" smtClean="0">
-                <a:solidFill>
-                  <a:schemeClr val="bg1"/>
-                </a:solidFill>
-              </a:rPr>
-              <a:t>?</a:t>
-            </a:r>
-            <a:endParaRPr lang="zh-TW" altLang="en-US" sz="4000" dirty="0">
-              <a:solidFill>
-                <a:schemeClr val="bg1"/>
-              </a:solidFill>
-            </a:endParaRPr>
-          </a:p>
-        </p:txBody>
-      </p:sp>
-      <p:pic>
-        <p:nvPicPr>
-          <p:cNvPr id="4" name="圖片 3"/>
-          <p:cNvPicPr>
-            <a:picLocks noChangeAspect="1"/>
-          </p:cNvPicPr>
-          <p:nvPr/>
-        </p:nvPicPr>
-        <p:blipFill>
-          <a:blip r:embed="rId2">
-            <a:extLst>
-              <a:ext uri="{BEBA8EAE-BF5A-486C-A8C5-ECC9F3942E4B}">
-                <a14:imgProps xmlns:a14="http://schemas.microsoft.com/office/drawing/2010/main">
-                  <a14:imgLayer r:embed="rId3">
-                    <a14:imgEffect>
-                      <a14:backgroundRemoval t="10000" b="90000" l="10000" r="90000"/>
-                    </a14:imgEffect>
-                  </a14:imgLayer>
-                </a14:imgProps>
-              </a:ext>
-              <a:ext uri="{28A0092B-C50C-407E-A947-70E740481C1C}">
-                <a14:useLocalDpi xmlns:a14="http://schemas.microsoft.com/office/drawing/2010/main" val="0"/>
-              </a:ext>
-            </a:extLst>
-          </a:blip>
-          <a:stretch>
-            <a:fillRect/>
-          </a:stretch>
-        </p:blipFill>
-        <p:spPr>
-          <a:xfrm>
-            <a:off x="5868144" y="4425975"/>
-            <a:ext cx="3121811" cy="1983268"/>
-          </a:xfrm>
-          <a:prstGeom prst="ellipse">
-            <a:avLst/>
-          </a:prstGeom>
-          <a:blipFill dpi="0" rotWithShape="1">
-            <a:blip r:embed="rId4">
-              <a:alphaModFix amt="51000"/>
-            </a:blip>
-            <a:srcRect/>
-            <a:stretch>
-              <a:fillRect/>
-            </a:stretch>
-          </a:blipFill>
-          <a:ln>
-            <a:noFill/>
-          </a:ln>
-          <a:effectLst>
-            <a:outerShdw blurRad="127000" dist="38100" dir="2700000" algn="ctr">
-              <a:srgbClr val="000000">
-                <a:alpha val="45000"/>
-              </a:srgbClr>
-            </a:outerShdw>
-            <a:softEdge rad="112500"/>
-          </a:effectLst>
-          <a:scene3d>
-            <a:camera prst="perspectiveFront" fov="2700000">
-              <a:rot lat="20376000" lon="1938000" rev="20112001"/>
-            </a:camera>
-            <a:lightRig rig="soft" dir="t">
-              <a:rot lat="0" lon="0" rev="0"/>
-            </a:lightRig>
-          </a:scene3d>
-          <a:sp3d prstMaterial="translucentPowder">
-            <a:bevelT w="203200" h="50800" prst="softRound"/>
-          </a:sp3d>
-        </p:spPr>
-      </p:pic>
-    </p:spTree>
-    <p:extLst>
-      <p:ext uri="{BB962C8B-B14F-4D97-AF65-F5344CB8AC3E}">
-        <p14:creationId xmlns:p14="http://schemas.microsoft.com/office/powerpoint/2010/main" val="1199426661"/>
-      </p:ext>
-    </p:extLst>
-  </p:cSld>
-  <p:clrMapOvr>
-    <a:masterClrMapping/>
-  </p:clrMapOvr>
-  <p:timing>
-    <p:tnLst>
-      <p:par>
-        <p:cTn id="1" dur="indefinite" restart="never" nodeType="tmRoot"/>
-      </p:par>
-    </p:tnLst>
-  </p:timing>
-</p:sld>
-</file>
-
-<file path=ppt/slides/slide20.xml><?xml version="1.0" encoding="utf-8"?>
+<file path=ppt/slides/slide22.xml><?xml version="1.0" encoding="utf-8"?>
 <p:sld xmlns:a="http://schemas.openxmlformats.org/drawingml/2006/main" xmlns:r="http://schemas.openxmlformats.org/officeDocument/2006/relationships" xmlns:p="http://schemas.openxmlformats.org/presentationml/2006/main">
   <p:cSld>
     <p:spTree>
@@ -8551,7 +8848,7 @@
 </p:sld>
 </file>
 
-<file path=ppt/slides/slide21.xml><?xml version="1.0" encoding="utf-8"?>
+<file path=ppt/slides/slide23.xml><?xml version="1.0" encoding="utf-8"?>
 <p:sld xmlns:a="http://schemas.openxmlformats.org/drawingml/2006/main" xmlns:r="http://schemas.openxmlformats.org/officeDocument/2006/relationships" xmlns:p="http://schemas.openxmlformats.org/presentationml/2006/main">
   <p:cSld>
     <p:spTree>
